--- a/powerpoint/JS-3-2.pptx
+++ b/powerpoint/JS-3-2.pptx
@@ -343,7 +343,7 @@
           <a:p>
             <a:fld id="{D2ED7290-CF2C-41F8-978B-80BC54C4D0B5}" type="datetimeFigureOut">
               <a:rPr lang="en-US" smtClean="0"/>
-              <a:t>9/25/2024</a:t>
+              <a:t>9/26/2024</a:t>
             </a:fld>
             <a:endParaRPr lang="en-US"/>
           </a:p>
@@ -677,7 +677,7 @@
           <a:p>
             <a:fld id="{D2ED7290-CF2C-41F8-978B-80BC54C4D0B5}" type="datetimeFigureOut">
               <a:rPr lang="en-US" smtClean="0"/>
-              <a:t>9/25/2024</a:t>
+              <a:t>9/26/2024</a:t>
             </a:fld>
             <a:endParaRPr lang="en-US"/>
           </a:p>
@@ -955,7 +955,7 @@
           <a:p>
             <a:fld id="{D2ED7290-CF2C-41F8-978B-80BC54C4D0B5}" type="datetimeFigureOut">
               <a:rPr lang="en-US" smtClean="0"/>
-              <a:t>9/25/2024</a:t>
+              <a:t>9/26/2024</a:t>
             </a:fld>
             <a:endParaRPr lang="en-US"/>
           </a:p>
@@ -1523,7 +1523,7 @@
           <a:p>
             <a:fld id="{D2ED7290-CF2C-41F8-978B-80BC54C4D0B5}" type="datetimeFigureOut">
               <a:rPr lang="en-US" smtClean="0"/>
-              <a:t>9/25/2024</a:t>
+              <a:t>9/26/2024</a:t>
             </a:fld>
             <a:endParaRPr lang="en-US"/>
           </a:p>
@@ -1801,7 +1801,7 @@
           <a:p>
             <a:fld id="{D2ED7290-CF2C-41F8-978B-80BC54C4D0B5}" type="datetimeFigureOut">
               <a:rPr lang="en-US" smtClean="0"/>
-              <a:t>9/25/2024</a:t>
+              <a:t>9/26/2024</a:t>
             </a:fld>
             <a:endParaRPr lang="en-US"/>
           </a:p>
@@ -2363,7 +2363,7 @@
           <a:p>
             <a:fld id="{D2ED7290-CF2C-41F8-978B-80BC54C4D0B5}" type="datetimeFigureOut">
               <a:rPr lang="en-US" smtClean="0"/>
-              <a:t>9/25/2024</a:t>
+              <a:t>9/26/2024</a:t>
             </a:fld>
             <a:endParaRPr lang="en-US"/>
           </a:p>
@@ -2690,7 +2690,7 @@
           <a:p>
             <a:fld id="{D2ED7290-CF2C-41F8-978B-80BC54C4D0B5}" type="datetimeFigureOut">
               <a:rPr lang="en-US" smtClean="0"/>
-              <a:t>9/25/2024</a:t>
+              <a:t>9/26/2024</a:t>
             </a:fld>
             <a:endParaRPr lang="en-US"/>
           </a:p>
@@ -2867,7 +2867,7 @@
           <a:p>
             <a:fld id="{D2ED7290-CF2C-41F8-978B-80BC54C4D0B5}" type="datetimeFigureOut">
               <a:rPr lang="en-US" smtClean="0"/>
-              <a:t>9/25/2024</a:t>
+              <a:t>9/26/2024</a:t>
             </a:fld>
             <a:endParaRPr lang="en-US"/>
           </a:p>
@@ -3105,7 +3105,7 @@
           <a:p>
             <a:fld id="{D2ED7290-CF2C-41F8-978B-80BC54C4D0B5}" type="datetimeFigureOut">
               <a:rPr lang="en-US" smtClean="0"/>
-              <a:t>9/25/2024</a:t>
+              <a:t>9/26/2024</a:t>
             </a:fld>
             <a:endParaRPr lang="en-US"/>
           </a:p>
@@ -3305,7 +3305,7 @@
           <a:p>
             <a:fld id="{D2ED7290-CF2C-41F8-978B-80BC54C4D0B5}" type="datetimeFigureOut">
               <a:rPr lang="en-US" smtClean="0"/>
-              <a:t>9/25/2024</a:t>
+              <a:t>9/26/2024</a:t>
             </a:fld>
             <a:endParaRPr lang="en-US"/>
           </a:p>
@@ -3581,7 +3581,7 @@
           <a:p>
             <a:fld id="{D2ED7290-CF2C-41F8-978B-80BC54C4D0B5}" type="datetimeFigureOut">
               <a:rPr lang="en-US" smtClean="0"/>
-              <a:t>9/25/2024</a:t>
+              <a:t>9/26/2024</a:t>
             </a:fld>
             <a:endParaRPr lang="en-US"/>
           </a:p>
@@ -3847,7 +3847,7 @@
           <a:p>
             <a:fld id="{D2ED7290-CF2C-41F8-978B-80BC54C4D0B5}" type="datetimeFigureOut">
               <a:rPr lang="en-US" smtClean="0"/>
-              <a:t>9/25/2024</a:t>
+              <a:t>9/26/2024</a:t>
             </a:fld>
             <a:endParaRPr lang="en-US"/>
           </a:p>
@@ -4221,7 +4221,7 @@
           <a:p>
             <a:fld id="{D2ED7290-CF2C-41F8-978B-80BC54C4D0B5}" type="datetimeFigureOut">
               <a:rPr lang="en-US" smtClean="0"/>
-              <a:t>9/25/2024</a:t>
+              <a:t>9/26/2024</a:t>
             </a:fld>
             <a:endParaRPr lang="en-US"/>
           </a:p>
@@ -4369,7 +4369,7 @@
           <a:p>
             <a:fld id="{D2ED7290-CF2C-41F8-978B-80BC54C4D0B5}" type="datetimeFigureOut">
               <a:rPr lang="en-US" smtClean="0"/>
-              <a:t>9/25/2024</a:t>
+              <a:t>9/26/2024</a:t>
             </a:fld>
             <a:endParaRPr lang="en-US"/>
           </a:p>
@@ -4494,7 +4494,7 @@
           <a:p>
             <a:fld id="{D2ED7290-CF2C-41F8-978B-80BC54C4D0B5}" type="datetimeFigureOut">
               <a:rPr lang="en-US" smtClean="0"/>
-              <a:t>9/25/2024</a:t>
+              <a:t>9/26/2024</a:t>
             </a:fld>
             <a:endParaRPr lang="en-US"/>
           </a:p>
@@ -4779,7 +4779,7 @@
           <a:p>
             <a:fld id="{D2ED7290-CF2C-41F8-978B-80BC54C4D0B5}" type="datetimeFigureOut">
               <a:rPr lang="en-US" smtClean="0"/>
-              <a:t>9/25/2024</a:t>
+              <a:t>9/26/2024</a:t>
             </a:fld>
             <a:endParaRPr lang="en-US"/>
           </a:p>
@@ -5103,7 +5103,7 @@
           <a:p>
             <a:fld id="{D2ED7290-CF2C-41F8-978B-80BC54C4D0B5}" type="datetimeFigureOut">
               <a:rPr lang="en-US" smtClean="0"/>
-              <a:t>9/25/2024</a:t>
+              <a:t>9/26/2024</a:t>
             </a:fld>
             <a:endParaRPr lang="en-US"/>
           </a:p>
@@ -5317,7 +5317,7 @@
           <a:p>
             <a:fld id="{D2ED7290-CF2C-41F8-978B-80BC54C4D0B5}" type="datetimeFigureOut">
               <a:rPr lang="en-US" smtClean="0"/>
-              <a:t>9/25/2024</a:t>
+              <a:t>9/26/2024</a:t>
             </a:fld>
             <a:endParaRPr lang="en-US"/>
           </a:p>
@@ -6384,10 +6384,9 @@
           <a:p>
             <a:pPr algn="l" rtl="0"/>
             <a:r>
-              <a:rPr lang="en-US" sz="2400"/>
+              <a:rPr lang="en-US" sz="2400" dirty="0"/>
               <a:t>*match</a:t>
             </a:r>
-            <a:endParaRPr lang="en-US" sz="2400" dirty="0"/>
           </a:p>
         </p:txBody>
       </p:sp>
@@ -6570,7 +6569,7 @@
         </p:spPr>
         <p:txBody>
           <a:bodyPr vert="horz" lIns="91440" tIns="45720" rIns="91440" bIns="45720" rtlCol="0" anchor="ctr">
-            <a:normAutofit/>
+            <a:normAutofit lnSpcReduction="10000"/>
           </a:bodyPr>
           <a:lstStyle>
             <a:lvl1pPr marL="285750" indent="-285750" algn="r" defTabSz="457200" rtl="1" eaLnBrk="1" latinLnBrk="0" hangingPunct="1">
@@ -6846,6 +6845,14 @@
               <a:rPr lang="en-US" sz="2400" dirty="0"/>
               <a:t>sort  don't use</a:t>
             </a:r>
+          </a:p>
+          <a:p>
+            <a:pPr algn="l" rtl="0"/>
+            <a:r>
+              <a:rPr lang="en-US" sz="2400"/>
+              <a:t>includes</a:t>
+            </a:r>
+            <a:endParaRPr lang="en-US" sz="2400" dirty="0"/>
           </a:p>
         </p:txBody>
       </p:sp>
